--- a/lookit_text.pptx
+++ b/lookit_text.pptx
@@ -210,7 +210,7 @@
           <a:p>
             <a:fld id="{71897A75-6E8D-4826-9FA9-DFF9335F82EC}" type="datetimeFigureOut">
               <a:rPr lang="en-US" smtClean="0"/>
-              <a:t>6/15/23</a:t>
+              <a:t>6/16/23</a:t>
             </a:fld>
             <a:endParaRPr lang="en-US"/>
           </a:p>
@@ -1061,7 +1061,7 @@
           <a:p>
             <a:fld id="{63A2E744-68AC-4065-AD95-C6FE42946056}" type="datetimeFigureOut">
               <a:rPr lang="en-US" smtClean="0"/>
-              <a:t>6/15/23</a:t>
+              <a:t>6/16/23</a:t>
             </a:fld>
             <a:endParaRPr lang="en-US"/>
           </a:p>
@@ -1259,7 +1259,7 @@
           <a:p>
             <a:fld id="{63A2E744-68AC-4065-AD95-C6FE42946056}" type="datetimeFigureOut">
               <a:rPr lang="en-US" smtClean="0"/>
-              <a:t>6/15/23</a:t>
+              <a:t>6/16/23</a:t>
             </a:fld>
             <a:endParaRPr lang="en-US"/>
           </a:p>
@@ -1467,7 +1467,7 @@
           <a:p>
             <a:fld id="{63A2E744-68AC-4065-AD95-C6FE42946056}" type="datetimeFigureOut">
               <a:rPr lang="en-US" smtClean="0"/>
-              <a:t>6/15/23</a:t>
+              <a:t>6/16/23</a:t>
             </a:fld>
             <a:endParaRPr lang="en-US"/>
           </a:p>
@@ -1665,7 +1665,7 @@
           <a:p>
             <a:fld id="{63A2E744-68AC-4065-AD95-C6FE42946056}" type="datetimeFigureOut">
               <a:rPr lang="en-US" smtClean="0"/>
-              <a:t>6/15/23</a:t>
+              <a:t>6/16/23</a:t>
             </a:fld>
             <a:endParaRPr lang="en-US"/>
           </a:p>
@@ -1940,7 +1940,7 @@
           <a:p>
             <a:fld id="{63A2E744-68AC-4065-AD95-C6FE42946056}" type="datetimeFigureOut">
               <a:rPr lang="en-US" smtClean="0"/>
-              <a:t>6/15/23</a:t>
+              <a:t>6/16/23</a:t>
             </a:fld>
             <a:endParaRPr lang="en-US"/>
           </a:p>
@@ -2205,7 +2205,7 @@
           <a:p>
             <a:fld id="{63A2E744-68AC-4065-AD95-C6FE42946056}" type="datetimeFigureOut">
               <a:rPr lang="en-US" smtClean="0"/>
-              <a:t>6/15/23</a:t>
+              <a:t>6/16/23</a:t>
             </a:fld>
             <a:endParaRPr lang="en-US"/>
           </a:p>
@@ -2617,7 +2617,7 @@
           <a:p>
             <a:fld id="{63A2E744-68AC-4065-AD95-C6FE42946056}" type="datetimeFigureOut">
               <a:rPr lang="en-US" smtClean="0"/>
-              <a:t>6/15/23</a:t>
+              <a:t>6/16/23</a:t>
             </a:fld>
             <a:endParaRPr lang="en-US"/>
           </a:p>
@@ -2758,7 +2758,7 @@
           <a:p>
             <a:fld id="{63A2E744-68AC-4065-AD95-C6FE42946056}" type="datetimeFigureOut">
               <a:rPr lang="en-US" smtClean="0"/>
-              <a:t>6/15/23</a:t>
+              <a:t>6/16/23</a:t>
             </a:fld>
             <a:endParaRPr lang="en-US"/>
           </a:p>
@@ -2871,7 +2871,7 @@
           <a:p>
             <a:fld id="{63A2E744-68AC-4065-AD95-C6FE42946056}" type="datetimeFigureOut">
               <a:rPr lang="en-US" smtClean="0"/>
-              <a:t>6/15/23</a:t>
+              <a:t>6/16/23</a:t>
             </a:fld>
             <a:endParaRPr lang="en-US"/>
           </a:p>
@@ -3182,7 +3182,7 @@
           <a:p>
             <a:fld id="{63A2E744-68AC-4065-AD95-C6FE42946056}" type="datetimeFigureOut">
               <a:rPr lang="en-US" smtClean="0"/>
-              <a:t>6/15/23</a:t>
+              <a:t>6/16/23</a:t>
             </a:fld>
             <a:endParaRPr lang="en-US"/>
           </a:p>
@@ -3470,7 +3470,7 @@
           <a:p>
             <a:fld id="{63A2E744-68AC-4065-AD95-C6FE42946056}" type="datetimeFigureOut">
               <a:rPr lang="en-US" smtClean="0"/>
-              <a:t>6/15/23</a:t>
+              <a:t>6/16/23</a:t>
             </a:fld>
             <a:endParaRPr lang="en-US"/>
           </a:p>
@@ -3711,7 +3711,7 @@
           <a:p>
             <a:fld id="{63A2E744-68AC-4065-AD95-C6FE42946056}" type="datetimeFigureOut">
               <a:rPr lang="en-US" smtClean="0"/>
-              <a:t>6/15/23</a:t>
+              <a:t>6/16/23</a:t>
             </a:fld>
             <a:endParaRPr lang="en-US"/>
           </a:p>
@@ -4660,7 +4660,7 @@
         <p:spPr>
           <a:xfrm>
             <a:off x="1" y="21888"/>
-            <a:ext cx="12192000" cy="6801862"/>
+            <a:ext cx="12192000" cy="6247864"/>
           </a:xfrm>
           <a:prstGeom prst="rect">
             <a:avLst/>
@@ -4702,7 +4702,7 @@
           <a:p>
             <a:r>
               <a:rPr lang="en-US" dirty="0"/>
-              <a:t>Let's go over what the game will look like! In this game, your child will hear short stories about a teach and her classroom. In each story, your child will be asked to guess which of two students is better at an activity based on the teacher’s emotional reactions to their performance. Your child can indicate their choice by clicking on the screen. If your child does not know how to click yet, they can instead point to the screen and you can click for them. Please keep in mind, though, that we aim to understand how your child responds in our game in order for us to learn about how children think. So, if you need to click for your child, please accurately represent your child's choices. Please also try to avoid responding to their choices with phrases like “Are you sure?”, or “That's right”, which might tell them what you think about the answer. Instead, phrases like “OK” or “alright” are neutral and great. Or, you may just quietly sit beside them and watch them play. Remember, any choice your child makes is fine, and we are not here to judge or evaluate. Don't worry if your child gets distracted during the game. If they do, please just encourage them to keep watching and listening and keep going as far as they can. If they get too distracted to continue, you can easily exit the study by pressing “Control” + “X” on your keyboard. You'll see a small box appear on the screen. Select “exit” to move to the end of the study. And even if you end the game early, we can still use the data from the portion your child completed.</a:t>
+              <a:t>Let's go over what the game will look like! In this game, your child will hear short stories about a teacher and her classroom. In each story, your child will be asked to guess which of two students is better at an activity based on the teacher’s emotional reactions to their performance. Your child can indicate their choice by clicking on the screen. If your child does not know how to click yet, they can instead point to the screen and you can click for them. Please keep in mind, though, that we aim to understand how your child responds in our game in order for us to learn about how children think. So, if you need to click for your child, please accurately represent your child's choices. Please also try to avoid responding to their choices with phrases like “Are you sure?”, or “That's right”, which might tell them what you think about the answer. Instead, phrases like “OK” or “alright” are neutral and great. Or, you may just quietly sit beside them and watch them play. Remember, any choice your child makes is fine, and we are not here to judge or evaluate. Don't worry if your child gets distracted during the game. If they do, please just encourage them to keep watching and listening and keep going as far as they can. If they get too distracted to continue, you can easily exit the study by pressing “Control” + “X” on your keyboard. You'll see a small box appear on the screen. Select “exit” to move to the end of the study. And even if you end the game early, we can still use the data from the portion your child completed.</a:t>
             </a:r>
           </a:p>
           <a:p>
@@ -4711,7 +4711,7 @@
           <a:p>
             <a:r>
               <a:rPr lang="en-US" dirty="0"/>
-              <a:t>Alright, it's almost time to get started. Here's what's going to happen next. First, you and your child will get situated with them sitting in front of the webcam. Then they'll be able to practice what the game feels like. After, we'll move on to the rest of the study. Are you ready? Have fun!</a:t>
+              <a:t>Alright, are you ready? Have fun!</a:t>
             </a:r>
           </a:p>
           <a:p>
